--- a/NoisyStudent/report/NoisyStudent_4.pptx
+++ b/NoisyStudent/report/NoisyStudent_4.pptx
@@ -5,7 +5,7 @@
     <p:sldMasterId id="2147483648" r:id="rId1"/>
   </p:sldMasterIdLst>
   <p:notesMasterIdLst>
-    <p:notesMasterId r:id="rId9"/>
+    <p:notesMasterId r:id="rId12"/>
   </p:notesMasterIdLst>
   <p:sldIdLst>
     <p:sldId id="256" r:id="rId2"/>
@@ -15,6 +15,9 @@
     <p:sldId id="487" r:id="rId6"/>
     <p:sldId id="488" r:id="rId7"/>
     <p:sldId id="481" r:id="rId8"/>
+    <p:sldId id="489" r:id="rId9"/>
+    <p:sldId id="490" r:id="rId10"/>
+    <p:sldId id="491" r:id="rId11"/>
   </p:sldIdLst>
   <p:sldSz cx="12192000" cy="6858000"/>
   <p:notesSz cx="6858000" cy="9144000"/>
@@ -203,7 +206,7 @@
           <a:p>
             <a:fld id="{8E57C4F2-DA80-4C96-9710-C8EF5A95F347}" type="datetimeFigureOut">
               <a:rPr lang="ko-KR" altLang="en-US" smtClean="0"/>
-              <a:t>2024-08-26</a:t>
+              <a:t>2024-09-02</a:t>
             </a:fld>
             <a:endParaRPr lang="ko-KR" altLang="en-US"/>
           </a:p>
@@ -701,7 +704,7 @@
           <a:p>
             <a:fld id="{26ED23D4-8C4C-4EF9-B298-D5B0898CBB10}" type="datetime1">
               <a:rPr lang="ko-KR" altLang="en-US" smtClean="0"/>
-              <a:t>2024-08-26</a:t>
+              <a:t>2024-09-02</a:t>
             </a:fld>
             <a:endParaRPr lang="ko-KR" altLang="en-US"/>
           </a:p>
@@ -899,7 +902,7 @@
           <a:p>
             <a:fld id="{FC894F00-8F8F-461E-8067-48A20B1CEE86}" type="datetime1">
               <a:rPr lang="ko-KR" altLang="en-US" smtClean="0"/>
-              <a:t>2024-08-26</a:t>
+              <a:t>2024-09-02</a:t>
             </a:fld>
             <a:endParaRPr lang="ko-KR" altLang="en-US"/>
           </a:p>
@@ -1107,7 +1110,7 @@
           <a:p>
             <a:fld id="{3736EE17-CD8C-49DE-8239-FC91CDD3E7A3}" type="datetime1">
               <a:rPr lang="ko-KR" altLang="en-US" smtClean="0"/>
-              <a:t>2024-08-26</a:t>
+              <a:t>2024-09-02</a:t>
             </a:fld>
             <a:endParaRPr lang="ko-KR" altLang="en-US"/>
           </a:p>
@@ -1277,7 +1280,7 @@
           <a:p>
             <a:fld id="{64260946-7682-4D6E-A4AF-15DEB6CA6F00}" type="datetime1">
               <a:rPr lang="ko-KR" altLang="en-US" smtClean="0"/>
-              <a:t>2024-08-26</a:t>
+              <a:t>2024-09-02</a:t>
             </a:fld>
             <a:endParaRPr lang="ko-KR" altLang="en-US"/>
           </a:p>
@@ -1694,7 +1697,7 @@
           <a:p>
             <a:fld id="{C2AD9EE6-397A-4268-9E86-90D4EE1A8497}" type="datetime1">
               <a:rPr lang="ko-KR" altLang="en-US" smtClean="0"/>
-              <a:t>2024-08-26</a:t>
+              <a:t>2024-09-02</a:t>
             </a:fld>
             <a:endParaRPr lang="ko-KR" altLang="en-US"/>
           </a:p>
@@ -1959,7 +1962,7 @@
           <a:p>
             <a:fld id="{4D3509BB-7058-4071-8488-D2F9CB71F04E}" type="datetime1">
               <a:rPr lang="ko-KR" altLang="en-US" smtClean="0"/>
-              <a:t>2024-08-26</a:t>
+              <a:t>2024-09-02</a:t>
             </a:fld>
             <a:endParaRPr lang="ko-KR" altLang="en-US"/>
           </a:p>
@@ -2371,7 +2374,7 @@
           <a:p>
             <a:fld id="{D8CEAD37-90CA-4850-8F12-1DC3BE28F3D1}" type="datetime1">
               <a:rPr lang="ko-KR" altLang="en-US" smtClean="0"/>
-              <a:t>2024-08-26</a:t>
+              <a:t>2024-09-02</a:t>
             </a:fld>
             <a:endParaRPr lang="ko-KR" altLang="en-US"/>
           </a:p>
@@ -2512,7 +2515,7 @@
           <a:p>
             <a:fld id="{37B5F803-F22B-457A-BE59-A33AE206A8C8}" type="datetime1">
               <a:rPr lang="ko-KR" altLang="en-US" smtClean="0"/>
-              <a:t>2024-08-26</a:t>
+              <a:t>2024-09-02</a:t>
             </a:fld>
             <a:endParaRPr lang="ko-KR" altLang="en-US"/>
           </a:p>
@@ -2625,7 +2628,7 @@
           <a:p>
             <a:fld id="{BBE2464D-EB7C-45C7-8B3C-5A9CCDC884B8}" type="datetime1">
               <a:rPr lang="ko-KR" altLang="en-US" smtClean="0"/>
-              <a:t>2024-08-26</a:t>
+              <a:t>2024-09-02</a:t>
             </a:fld>
             <a:endParaRPr lang="ko-KR" altLang="en-US"/>
           </a:p>
@@ -2936,7 +2939,7 @@
           <a:p>
             <a:fld id="{62E5112F-140F-4384-9395-3DE2D97B29A3}" type="datetime1">
               <a:rPr lang="ko-KR" altLang="en-US" smtClean="0"/>
-              <a:t>2024-08-26</a:t>
+              <a:t>2024-09-02</a:t>
             </a:fld>
             <a:endParaRPr lang="ko-KR" altLang="en-US"/>
           </a:p>
@@ -3227,7 +3230,7 @@
           <a:p>
             <a:fld id="{BF77A509-93E9-41D0-B404-AC73D99EFC86}" type="datetime1">
               <a:rPr lang="ko-KR" altLang="en-US" smtClean="0"/>
-              <a:t>2024-08-26</a:t>
+              <a:t>2024-09-02</a:t>
             </a:fld>
             <a:endParaRPr lang="ko-KR" altLang="en-US"/>
           </a:p>
@@ -3468,7 +3471,7 @@
           <a:p>
             <a:fld id="{38F4DE36-4BCC-47CC-84FD-821E9EA95BC8}" type="datetime1">
               <a:rPr lang="ko-KR" altLang="en-US" smtClean="0"/>
-              <a:t>2024-08-26</a:t>
+              <a:t>2024-09-02</a:t>
             </a:fld>
             <a:endParaRPr lang="ko-KR" altLang="en-US"/>
           </a:p>
@@ -4027,6 +4030,154 @@
     <p:extLst>
       <p:ext uri="{BB962C8B-B14F-4D97-AF65-F5344CB8AC3E}">
         <p14:creationId xmlns:p14="http://schemas.microsoft.com/office/powerpoint/2010/main" val="724392567"/>
+      </p:ext>
+    </p:extLst>
+  </p:cSld>
+  <p:clrMapOvr>
+    <a:masterClrMapping/>
+  </p:clrMapOvr>
+</p:sld>
+</file>
+
+<file path=ppt/slides/slide10.xml><?xml version="1.0" encoding="utf-8"?>
+<p:sld xmlns:a="http://schemas.openxmlformats.org/drawingml/2006/main" xmlns:r="http://schemas.openxmlformats.org/officeDocument/2006/relationships" xmlns:p="http://schemas.openxmlformats.org/presentationml/2006/main">
+  <p:cSld>
+    <p:spTree>
+      <p:nvGrpSpPr>
+        <p:cNvPr id="1" name=""/>
+        <p:cNvGrpSpPr/>
+        <p:nvPr/>
+      </p:nvGrpSpPr>
+      <p:grpSpPr>
+        <a:xfrm>
+          <a:off x="0" y="0"/>
+          <a:ext cx="0" cy="0"/>
+          <a:chOff x="0" y="0"/>
+          <a:chExt cx="0" cy="0"/>
+        </a:xfrm>
+      </p:grpSpPr>
+      <p:sp>
+        <p:nvSpPr>
+          <p:cNvPr id="3" name="슬라이드 번호 개체 틀 2">
+            <a:extLst>
+              <a:ext uri="{FF2B5EF4-FFF2-40B4-BE49-F238E27FC236}">
+                <a16:creationId xmlns:a16="http://schemas.microsoft.com/office/drawing/2014/main" id="{1A357F41-6ACB-39BE-0AC9-EF354B4A0DC5}"/>
+              </a:ext>
+            </a:extLst>
+          </p:cNvPr>
+          <p:cNvSpPr>
+            <a:spLocks noGrp="1"/>
+          </p:cNvSpPr>
+          <p:nvPr>
+            <p:ph type="sldNum" sz="quarter" idx="12"/>
+          </p:nvPr>
+        </p:nvSpPr>
+        <p:spPr/>
+        <p:txBody>
+          <a:bodyPr/>
+          <a:lstStyle/>
+          <a:p>
+            <a:fld id="{697E9AA7-29BF-4588-B153-0341F1751ACF}" type="slidenum">
+              <a:rPr lang="ko-KR" altLang="en-US" smtClean="0"/>
+              <a:t>10</a:t>
+            </a:fld>
+            <a:endParaRPr lang="ko-KR" altLang="en-US"/>
+          </a:p>
+        </p:txBody>
+      </p:sp>
+      <p:sp>
+        <p:nvSpPr>
+          <p:cNvPr id="4" name="제목 3">
+            <a:extLst>
+              <a:ext uri="{FF2B5EF4-FFF2-40B4-BE49-F238E27FC236}">
+                <a16:creationId xmlns:a16="http://schemas.microsoft.com/office/drawing/2014/main" id="{50787FFB-CD78-6D0E-CFEB-F52DF8C29177}"/>
+              </a:ext>
+            </a:extLst>
+          </p:cNvPr>
+          <p:cNvSpPr>
+            <a:spLocks noGrp="1"/>
+          </p:cNvSpPr>
+          <p:nvPr>
+            <p:ph type="title"/>
+          </p:nvPr>
+        </p:nvSpPr>
+        <p:spPr/>
+        <p:txBody>
+          <a:bodyPr/>
+          <a:lstStyle/>
+          <a:p>
+            <a:r>
+              <a:rPr lang="en-US" altLang="ko-KR"/>
+              <a:t>Homepage Maintenance</a:t>
+            </a:r>
+            <a:endParaRPr lang="ko-KR" altLang="en-US"/>
+          </a:p>
+        </p:txBody>
+      </p:sp>
+      <p:pic>
+        <p:nvPicPr>
+          <p:cNvPr id="6" name="그림 5">
+            <a:extLst>
+              <a:ext uri="{FF2B5EF4-FFF2-40B4-BE49-F238E27FC236}">
+                <a16:creationId xmlns:a16="http://schemas.microsoft.com/office/drawing/2014/main" id="{8A88B724-C4D4-DF74-F1BB-DEBD3154C154}"/>
+              </a:ext>
+            </a:extLst>
+          </p:cNvPr>
+          <p:cNvPicPr>
+            <a:picLocks noChangeAspect="1"/>
+          </p:cNvPicPr>
+          <p:nvPr/>
+        </p:nvPicPr>
+        <p:blipFill>
+          <a:blip r:embed="rId2"/>
+          <a:stretch>
+            <a:fillRect/>
+          </a:stretch>
+        </p:blipFill>
+        <p:spPr>
+          <a:xfrm>
+            <a:off x="0" y="681037"/>
+            <a:ext cx="6419798" cy="3622228"/>
+          </a:xfrm>
+          <a:prstGeom prst="rect">
+            <a:avLst/>
+          </a:prstGeom>
+        </p:spPr>
+      </p:pic>
+      <p:pic>
+        <p:nvPicPr>
+          <p:cNvPr id="8" name="그림 7">
+            <a:extLst>
+              <a:ext uri="{FF2B5EF4-FFF2-40B4-BE49-F238E27FC236}">
+                <a16:creationId xmlns:a16="http://schemas.microsoft.com/office/drawing/2014/main" id="{57025134-4E78-377D-36B5-FE37BA2DBDE8}"/>
+              </a:ext>
+            </a:extLst>
+          </p:cNvPr>
+          <p:cNvPicPr>
+            <a:picLocks noChangeAspect="1"/>
+          </p:cNvPicPr>
+          <p:nvPr/>
+        </p:nvPicPr>
+        <p:blipFill>
+          <a:blip r:embed="rId3"/>
+          <a:stretch>
+            <a:fillRect/>
+          </a:stretch>
+        </p:blipFill>
+        <p:spPr>
+          <a:xfrm>
+            <a:off x="5419503" y="3020106"/>
+            <a:ext cx="6772497" cy="3156857"/>
+          </a:xfrm>
+          <a:prstGeom prst="rect">
+            <a:avLst/>
+          </a:prstGeom>
+        </p:spPr>
+      </p:pic>
+    </p:spTree>
+    <p:extLst>
+      <p:ext uri="{BB962C8B-B14F-4D97-AF65-F5344CB8AC3E}">
+        <p14:creationId xmlns:p14="http://schemas.microsoft.com/office/powerpoint/2010/main" val="1721107440"/>
       </p:ext>
     </p:extLst>
   </p:cSld>
@@ -6123,6 +6274,302 @@
     <p:extLst>
       <p:ext uri="{BB962C8B-B14F-4D97-AF65-F5344CB8AC3E}">
         <p14:creationId xmlns:p14="http://schemas.microsoft.com/office/powerpoint/2010/main" val="1285305823"/>
+      </p:ext>
+    </p:extLst>
+  </p:cSld>
+  <p:clrMapOvr>
+    <a:masterClrMapping/>
+  </p:clrMapOvr>
+</p:sld>
+</file>
+
+<file path=ppt/slides/slide8.xml><?xml version="1.0" encoding="utf-8"?>
+<p:sld xmlns:a="http://schemas.openxmlformats.org/drawingml/2006/main" xmlns:r="http://schemas.openxmlformats.org/officeDocument/2006/relationships" xmlns:p="http://schemas.openxmlformats.org/presentationml/2006/main">
+  <p:cSld>
+    <p:spTree>
+      <p:nvGrpSpPr>
+        <p:cNvPr id="1" name=""/>
+        <p:cNvGrpSpPr/>
+        <p:nvPr/>
+      </p:nvGrpSpPr>
+      <p:grpSpPr>
+        <a:xfrm>
+          <a:off x="0" y="0"/>
+          <a:ext cx="0" cy="0"/>
+          <a:chOff x="0" y="0"/>
+          <a:chExt cx="0" cy="0"/>
+        </a:xfrm>
+      </p:grpSpPr>
+      <p:sp>
+        <p:nvSpPr>
+          <p:cNvPr id="3" name="슬라이드 번호 개체 틀 2">
+            <a:extLst>
+              <a:ext uri="{FF2B5EF4-FFF2-40B4-BE49-F238E27FC236}">
+                <a16:creationId xmlns:a16="http://schemas.microsoft.com/office/drawing/2014/main" id="{1A357F41-6ACB-39BE-0AC9-EF354B4A0DC5}"/>
+              </a:ext>
+            </a:extLst>
+          </p:cNvPr>
+          <p:cNvSpPr>
+            <a:spLocks noGrp="1"/>
+          </p:cNvSpPr>
+          <p:nvPr>
+            <p:ph type="sldNum" sz="quarter" idx="12"/>
+          </p:nvPr>
+        </p:nvSpPr>
+        <p:spPr/>
+        <p:txBody>
+          <a:bodyPr/>
+          <a:lstStyle/>
+          <a:p>
+            <a:fld id="{697E9AA7-29BF-4588-B153-0341F1751ACF}" type="slidenum">
+              <a:rPr lang="ko-KR" altLang="en-US" smtClean="0"/>
+              <a:t>8</a:t>
+            </a:fld>
+            <a:endParaRPr lang="ko-KR" altLang="en-US"/>
+          </a:p>
+        </p:txBody>
+      </p:sp>
+      <p:sp>
+        <p:nvSpPr>
+          <p:cNvPr id="4" name="제목 3">
+            <a:extLst>
+              <a:ext uri="{FF2B5EF4-FFF2-40B4-BE49-F238E27FC236}">
+                <a16:creationId xmlns:a16="http://schemas.microsoft.com/office/drawing/2014/main" id="{50787FFB-CD78-6D0E-CFEB-F52DF8C29177}"/>
+              </a:ext>
+            </a:extLst>
+          </p:cNvPr>
+          <p:cNvSpPr>
+            <a:spLocks noGrp="1"/>
+          </p:cNvSpPr>
+          <p:nvPr>
+            <p:ph type="title"/>
+          </p:nvPr>
+        </p:nvSpPr>
+        <p:spPr/>
+        <p:txBody>
+          <a:bodyPr/>
+          <a:lstStyle/>
+          <a:p>
+            <a:r>
+              <a:rPr lang="en-US" altLang="ko-KR"/>
+              <a:t>Homepage Maintenance</a:t>
+            </a:r>
+            <a:endParaRPr lang="ko-KR" altLang="en-US"/>
+          </a:p>
+        </p:txBody>
+      </p:sp>
+      <p:pic>
+        <p:nvPicPr>
+          <p:cNvPr id="6" name="그림 5">
+            <a:extLst>
+              <a:ext uri="{FF2B5EF4-FFF2-40B4-BE49-F238E27FC236}">
+                <a16:creationId xmlns:a16="http://schemas.microsoft.com/office/drawing/2014/main" id="{5FDB0566-B4CF-E840-112F-B23FAC7ED091}"/>
+              </a:ext>
+            </a:extLst>
+          </p:cNvPr>
+          <p:cNvPicPr>
+            <a:picLocks noChangeAspect="1"/>
+          </p:cNvPicPr>
+          <p:nvPr/>
+        </p:nvPicPr>
+        <p:blipFill>
+          <a:blip r:embed="rId2"/>
+          <a:stretch>
+            <a:fillRect/>
+          </a:stretch>
+        </p:blipFill>
+        <p:spPr>
+          <a:xfrm>
+            <a:off x="0" y="829589"/>
+            <a:ext cx="7609114" cy="4280127"/>
+          </a:xfrm>
+          <a:prstGeom prst="rect">
+            <a:avLst/>
+          </a:prstGeom>
+        </p:spPr>
+      </p:pic>
+      <p:pic>
+        <p:nvPicPr>
+          <p:cNvPr id="8" name="그림 7">
+            <a:extLst>
+              <a:ext uri="{FF2B5EF4-FFF2-40B4-BE49-F238E27FC236}">
+                <a16:creationId xmlns:a16="http://schemas.microsoft.com/office/drawing/2014/main" id="{19C6DB87-2FEF-5D52-C137-E5E9EA8B3579}"/>
+              </a:ext>
+            </a:extLst>
+          </p:cNvPr>
+          <p:cNvPicPr>
+            <a:picLocks noChangeAspect="1"/>
+          </p:cNvPicPr>
+          <p:nvPr/>
+        </p:nvPicPr>
+        <p:blipFill>
+          <a:blip r:embed="rId3"/>
+          <a:stretch>
+            <a:fillRect/>
+          </a:stretch>
+        </p:blipFill>
+        <p:spPr>
+          <a:xfrm>
+            <a:off x="7267164" y="3218315"/>
+            <a:ext cx="4800768" cy="3320597"/>
+          </a:xfrm>
+          <a:prstGeom prst="rect">
+            <a:avLst/>
+          </a:prstGeom>
+        </p:spPr>
+      </p:pic>
+    </p:spTree>
+    <p:extLst>
+      <p:ext uri="{BB962C8B-B14F-4D97-AF65-F5344CB8AC3E}">
+        <p14:creationId xmlns:p14="http://schemas.microsoft.com/office/powerpoint/2010/main" val="3296904412"/>
+      </p:ext>
+    </p:extLst>
+  </p:cSld>
+  <p:clrMapOvr>
+    <a:masterClrMapping/>
+  </p:clrMapOvr>
+</p:sld>
+</file>
+
+<file path=ppt/slides/slide9.xml><?xml version="1.0" encoding="utf-8"?>
+<p:sld xmlns:a="http://schemas.openxmlformats.org/drawingml/2006/main" xmlns:r="http://schemas.openxmlformats.org/officeDocument/2006/relationships" xmlns:p="http://schemas.openxmlformats.org/presentationml/2006/main">
+  <p:cSld>
+    <p:spTree>
+      <p:nvGrpSpPr>
+        <p:cNvPr id="1" name=""/>
+        <p:cNvGrpSpPr/>
+        <p:nvPr/>
+      </p:nvGrpSpPr>
+      <p:grpSpPr>
+        <a:xfrm>
+          <a:off x="0" y="0"/>
+          <a:ext cx="0" cy="0"/>
+          <a:chOff x="0" y="0"/>
+          <a:chExt cx="0" cy="0"/>
+        </a:xfrm>
+      </p:grpSpPr>
+      <p:sp>
+        <p:nvSpPr>
+          <p:cNvPr id="3" name="슬라이드 번호 개체 틀 2">
+            <a:extLst>
+              <a:ext uri="{FF2B5EF4-FFF2-40B4-BE49-F238E27FC236}">
+                <a16:creationId xmlns:a16="http://schemas.microsoft.com/office/drawing/2014/main" id="{1A357F41-6ACB-39BE-0AC9-EF354B4A0DC5}"/>
+              </a:ext>
+            </a:extLst>
+          </p:cNvPr>
+          <p:cNvSpPr>
+            <a:spLocks noGrp="1"/>
+          </p:cNvSpPr>
+          <p:nvPr>
+            <p:ph type="sldNum" sz="quarter" idx="12"/>
+          </p:nvPr>
+        </p:nvSpPr>
+        <p:spPr/>
+        <p:txBody>
+          <a:bodyPr/>
+          <a:lstStyle/>
+          <a:p>
+            <a:fld id="{697E9AA7-29BF-4588-B153-0341F1751ACF}" type="slidenum">
+              <a:rPr lang="ko-KR" altLang="en-US" smtClean="0"/>
+              <a:t>9</a:t>
+            </a:fld>
+            <a:endParaRPr lang="ko-KR" altLang="en-US"/>
+          </a:p>
+        </p:txBody>
+      </p:sp>
+      <p:sp>
+        <p:nvSpPr>
+          <p:cNvPr id="4" name="제목 3">
+            <a:extLst>
+              <a:ext uri="{FF2B5EF4-FFF2-40B4-BE49-F238E27FC236}">
+                <a16:creationId xmlns:a16="http://schemas.microsoft.com/office/drawing/2014/main" id="{50787FFB-CD78-6D0E-CFEB-F52DF8C29177}"/>
+              </a:ext>
+            </a:extLst>
+          </p:cNvPr>
+          <p:cNvSpPr>
+            <a:spLocks noGrp="1"/>
+          </p:cNvSpPr>
+          <p:nvPr>
+            <p:ph type="title"/>
+          </p:nvPr>
+        </p:nvSpPr>
+        <p:spPr/>
+        <p:txBody>
+          <a:bodyPr/>
+          <a:lstStyle/>
+          <a:p>
+            <a:r>
+              <a:rPr lang="en-US" altLang="ko-KR"/>
+              <a:t>Homepage Maintenance</a:t>
+            </a:r>
+            <a:endParaRPr lang="ko-KR" altLang="en-US"/>
+          </a:p>
+        </p:txBody>
+      </p:sp>
+      <p:pic>
+        <p:nvPicPr>
+          <p:cNvPr id="5" name="그림 4">
+            <a:extLst>
+              <a:ext uri="{FF2B5EF4-FFF2-40B4-BE49-F238E27FC236}">
+                <a16:creationId xmlns:a16="http://schemas.microsoft.com/office/drawing/2014/main" id="{21F2F081-203B-9619-B670-E222878DBF64}"/>
+              </a:ext>
+            </a:extLst>
+          </p:cNvPr>
+          <p:cNvPicPr>
+            <a:picLocks noChangeAspect="1"/>
+          </p:cNvPicPr>
+          <p:nvPr/>
+        </p:nvPicPr>
+        <p:blipFill>
+          <a:blip r:embed="rId2"/>
+          <a:stretch>
+            <a:fillRect/>
+          </a:stretch>
+        </p:blipFill>
+        <p:spPr>
+          <a:xfrm>
+            <a:off x="78078" y="681037"/>
+            <a:ext cx="8151521" cy="4005045"/>
+          </a:xfrm>
+          <a:prstGeom prst="rect">
+            <a:avLst/>
+          </a:prstGeom>
+        </p:spPr>
+      </p:pic>
+      <p:pic>
+        <p:nvPicPr>
+          <p:cNvPr id="9" name="그림 8">
+            <a:extLst>
+              <a:ext uri="{FF2B5EF4-FFF2-40B4-BE49-F238E27FC236}">
+                <a16:creationId xmlns:a16="http://schemas.microsoft.com/office/drawing/2014/main" id="{DCAD59B5-CD80-AE4C-B71F-1F35A8C8F01E}"/>
+              </a:ext>
+            </a:extLst>
+          </p:cNvPr>
+          <p:cNvPicPr>
+            <a:picLocks noChangeAspect="1"/>
+          </p:cNvPicPr>
+          <p:nvPr/>
+        </p:nvPicPr>
+        <p:blipFill>
+          <a:blip r:embed="rId3"/>
+          <a:stretch>
+            <a:fillRect/>
+          </a:stretch>
+        </p:blipFill>
+        <p:spPr>
+          <a:xfrm>
+            <a:off x="5040087" y="2840209"/>
+            <a:ext cx="7239000" cy="4017791"/>
+          </a:xfrm>
+          <a:prstGeom prst="rect">
+            <a:avLst/>
+          </a:prstGeom>
+        </p:spPr>
+      </p:pic>
+    </p:spTree>
+    <p:extLst>
+      <p:ext uri="{BB962C8B-B14F-4D97-AF65-F5344CB8AC3E}">
+        <p14:creationId xmlns:p14="http://schemas.microsoft.com/office/powerpoint/2010/main" val="255465322"/>
       </p:ext>
     </p:extLst>
   </p:cSld>
